--- a/Figures/GSelectCP.pptx
+++ b/Figures/GSelectCP.pptx
@@ -288,7 +288,7 @@
           <a:p>
             <a:fld id="{5E512C71-67EA-4954-9D1C-C5D9DCD30450}" type="datetimeFigureOut">
               <a:rPr lang="en-US" smtClean="0"/>
-              <a:t>7/2/2014</a:t>
+              <a:t>9/9/2014</a:t>
             </a:fld>
             <a:endParaRPr lang="en-US"/>
           </a:p>
@@ -458,7 +458,7 @@
           <a:p>
             <a:fld id="{5E512C71-67EA-4954-9D1C-C5D9DCD30450}" type="datetimeFigureOut">
               <a:rPr lang="en-US" smtClean="0"/>
-              <a:t>7/2/2014</a:t>
+              <a:t>9/9/2014</a:t>
             </a:fld>
             <a:endParaRPr lang="en-US"/>
           </a:p>
@@ -638,7 +638,7 @@
           <a:p>
             <a:fld id="{5E512C71-67EA-4954-9D1C-C5D9DCD30450}" type="datetimeFigureOut">
               <a:rPr lang="en-US" smtClean="0"/>
-              <a:t>7/2/2014</a:t>
+              <a:t>9/9/2014</a:t>
             </a:fld>
             <a:endParaRPr lang="en-US"/>
           </a:p>
@@ -808,7 +808,7 @@
           <a:p>
             <a:fld id="{5E512C71-67EA-4954-9D1C-C5D9DCD30450}" type="datetimeFigureOut">
               <a:rPr lang="en-US" smtClean="0"/>
-              <a:t>7/2/2014</a:t>
+              <a:t>9/9/2014</a:t>
             </a:fld>
             <a:endParaRPr lang="en-US"/>
           </a:p>
@@ -1054,7 +1054,7 @@
           <a:p>
             <a:fld id="{5E512C71-67EA-4954-9D1C-C5D9DCD30450}" type="datetimeFigureOut">
               <a:rPr lang="en-US" smtClean="0"/>
-              <a:t>7/2/2014</a:t>
+              <a:t>9/9/2014</a:t>
             </a:fld>
             <a:endParaRPr lang="en-US"/>
           </a:p>
@@ -1342,7 +1342,7 @@
           <a:p>
             <a:fld id="{5E512C71-67EA-4954-9D1C-C5D9DCD30450}" type="datetimeFigureOut">
               <a:rPr lang="en-US" smtClean="0"/>
-              <a:t>7/2/2014</a:t>
+              <a:t>9/9/2014</a:t>
             </a:fld>
             <a:endParaRPr lang="en-US"/>
           </a:p>
@@ -1769,7 +1769,7 @@
           <a:p>
             <a:fld id="{5E512C71-67EA-4954-9D1C-C5D9DCD30450}" type="datetimeFigureOut">
               <a:rPr lang="en-US" smtClean="0"/>
-              <a:t>7/2/2014</a:t>
+              <a:t>9/9/2014</a:t>
             </a:fld>
             <a:endParaRPr lang="en-US"/>
           </a:p>
@@ -1887,7 +1887,7 @@
           <a:p>
             <a:fld id="{5E512C71-67EA-4954-9D1C-C5D9DCD30450}" type="datetimeFigureOut">
               <a:rPr lang="en-US" smtClean="0"/>
-              <a:t>7/2/2014</a:t>
+              <a:t>9/9/2014</a:t>
             </a:fld>
             <a:endParaRPr lang="en-US"/>
           </a:p>
@@ -1982,7 +1982,7 @@
           <a:p>
             <a:fld id="{5E512C71-67EA-4954-9D1C-C5D9DCD30450}" type="datetimeFigureOut">
               <a:rPr lang="en-US" smtClean="0"/>
-              <a:t>7/2/2014</a:t>
+              <a:t>9/9/2014</a:t>
             </a:fld>
             <a:endParaRPr lang="en-US"/>
           </a:p>
@@ -2259,7 +2259,7 @@
           <a:p>
             <a:fld id="{5E512C71-67EA-4954-9D1C-C5D9DCD30450}" type="datetimeFigureOut">
               <a:rPr lang="en-US" smtClean="0"/>
-              <a:t>7/2/2014</a:t>
+              <a:t>9/9/2014</a:t>
             </a:fld>
             <a:endParaRPr lang="en-US"/>
           </a:p>
@@ -2512,7 +2512,7 @@
           <a:p>
             <a:fld id="{5E512C71-67EA-4954-9D1C-C5D9DCD30450}" type="datetimeFigureOut">
               <a:rPr lang="en-US" smtClean="0"/>
-              <a:t>7/2/2014</a:t>
+              <a:t>9/9/2014</a:t>
             </a:fld>
             <a:endParaRPr lang="en-US"/>
           </a:p>
@@ -2725,7 +2725,7 @@
           <a:p>
             <a:fld id="{5E512C71-67EA-4954-9D1C-C5D9DCD30450}" type="datetimeFigureOut">
               <a:rPr lang="en-US" smtClean="0"/>
-              <a:t>7/2/2014</a:t>
+              <a:t>9/9/2014</a:t>
             </a:fld>
             <a:endParaRPr lang="en-US"/>
           </a:p>
@@ -3701,15 +3701,15 @@
                 </a:spcAft>
               </a:pPr>
               <a:r>
-                <a:rPr lang="en-US" sz="2400" b="1">
+                <a:rPr lang="en-US" sz="2400" b="1" smtClean="0">
                   <a:effectLst/>
                   <a:latin typeface="Arial"/>
                   <a:ea typeface="宋体"/>
                   <a:cs typeface="Times New Roman"/>
                 </a:rPr>
-                <a:t>gRselect</a:t>
+                <a:t>DIR table</a:t>
               </a:r>
-              <a:endParaRPr lang="en-US" sz="1100">
+              <a:endParaRPr lang="en-US" sz="1100" dirty="0">
                 <a:effectLst/>
                 <a:ea typeface="宋体"/>
                 <a:cs typeface="Times New Roman"/>
